--- a/13-prototypal-inheritance/prototypes-inheritance.pptx
+++ b/13-prototypal-inheritance/prototypes-inheritance.pptx
@@ -29,13 +29,6 @@
     <p:sldId id="274" r:id="rId26"/>
     <p:sldId id="275" r:id="rId27"/>
     <p:sldId id="276" r:id="rId28"/>
-    <p:sldId id="277" r:id="rId29"/>
-    <p:sldId id="278" r:id="rId30"/>
-    <p:sldId id="279" r:id="rId31"/>
-    <p:sldId id="280" r:id="rId32"/>
-    <p:sldId id="281" r:id="rId33"/>
-    <p:sldId id="282" r:id="rId34"/>
-    <p:sldId id="283" r:id="rId35"/>
   </p:sldIdLst>
   <p:sldSz cx="9144000" cy="6858000"/>
   <p:notesSz cx="6858000" cy="9144000"/>
@@ -6425,2648 +6418,6 @@
 </p:sld>
 </file>
 
-<file path=ppt/slides/slide22.xml><?xml version="1.0" encoding="utf-8"?>
-<p:sld xmlns:a="http://schemas.openxmlformats.org/drawingml/2006/main" xmlns:r="http://schemas.openxmlformats.org/officeDocument/2006/relationships" xmlns:p="http://schemas.openxmlformats.org/presentationml/2006/main" xmlns:m="http://schemas.openxmlformats.org/officeDocument/2006/math" xmlns:a14="http://schemas.microsoft.com/office/drawing/2010/main" showMasterSp="1" showMasterPhAnim="1">
-  <p:cSld>
-    <p:spTree>
-      <p:nvGrpSpPr>
-        <p:cNvPr id="1" name=""/>
-        <p:cNvGrpSpPr/>
-        <p:nvPr/>
-      </p:nvGrpSpPr>
-      <p:grpSpPr>
-        <a:xfrm>
-          <a:off x="0" y="0"/>
-          <a:ext cx="0" cy="0"/>
-          <a:chOff x="0" y="0"/>
-          <a:chExt cx="0" cy="0"/>
-        </a:xfrm>
-      </p:grpSpPr>
-      <p:sp>
-        <p:nvSpPr>
-          <p:cNvPr id="117" name="Slide Number"/>
-          <p:cNvSpPr txBox="1"/>
-          <p:nvPr>
-            <p:ph type="sldNum" sz="quarter" idx="2"/>
-          </p:nvPr>
-        </p:nvSpPr>
-        <p:spPr>
-          <a:xfrm>
-            <a:off x="8785125" y="6530975"/>
-            <a:ext cx="206475" cy="190501"/>
-          </a:xfrm>
-          <a:prstGeom prst="rect">
-            <a:avLst/>
-          </a:prstGeom>
-          <a:extLst>
-            <a:ext uri="{C572A759-6A51-4108-AA02-DFA0A04FC94B}">
-              <ma14:wrappingTextBoxFlag xmlns:ma14="http://schemas.microsoft.com/office/mac/drawingml/2011/main" val="1"/>
-            </a:ext>
-          </a:extLst>
-        </p:spPr>
-        <p:txBody>
-          <a:bodyPr/>
-          <a:lstStyle/>
-          <a:p>
-            <a:pPr/>
-            <a:fld id="{86CB4B4D-7CA3-9044-876B-883B54F8677D}" type="slidenum"/>
-          </a:p>
-        </p:txBody>
-      </p:sp>
-      <p:sp>
-        <p:nvSpPr>
-          <p:cNvPr id="118" name="Java within JavaScript"/>
-          <p:cNvSpPr txBox="1"/>
-          <p:nvPr>
-            <p:ph type="title"/>
-          </p:nvPr>
-        </p:nvSpPr>
-        <p:spPr>
-          <a:prstGeom prst="rect">
-            <a:avLst/>
-          </a:prstGeom>
-        </p:spPr>
-        <p:txBody>
-          <a:bodyPr/>
-          <a:lstStyle/>
-          <a:p>
-            <a:pPr/>
-            <a:r>
-              <a:t>Java within JavaScript</a:t>
-            </a:r>
-          </a:p>
-        </p:txBody>
-      </p:sp>
-      <p:sp>
-        <p:nvSpPr>
-          <p:cNvPr id="119" name="the Rhino VM is written in Java…"/>
-          <p:cNvSpPr txBox="1"/>
-          <p:nvPr>
-            <p:ph type="body" idx="1"/>
-          </p:nvPr>
-        </p:nvSpPr>
-        <p:spPr>
-          <a:prstGeom prst="rect">
-            <a:avLst/>
-          </a:prstGeom>
-        </p:spPr>
-        <p:txBody>
-          <a:bodyPr/>
-          <a:lstStyle/>
-          <a:p>
-            <a:pPr>
-              <a:buChar char="•"/>
-            </a:pPr>
-            <a:r>
-              <a:t>the Rhino VM is written in Java</a:t>
-            </a:r>
-          </a:p>
-          <a:p>
-            <a:pPr lvl="1" marL="685800" indent="-279400">
-              <a:spcBef>
-                <a:spcPts val="0"/>
-              </a:spcBef>
-              <a:defRPr sz="2600"/>
-            </a:pPr>
-            <a:r>
-              <a:t>it implements a layer of JavaScript on top of Java</a:t>
-            </a:r>
-          </a:p>
-          <a:p>
-            <a:pPr lvl="1" marL="685800" indent="-279400">
-              <a:spcBef>
-                <a:spcPts val="0"/>
-              </a:spcBef>
-              <a:defRPr sz="1200"/>
-            </a:pPr>
-          </a:p>
-          <a:p>
-            <a:pPr>
-              <a:buChar char="•"/>
-            </a:pPr>
-            <a:r>
-              <a:t>Rhino lets you </a:t>
-            </a:r>
-            <a:r>
-              <a:rPr i="1"/>
-              <a:t>use Java classes </a:t>
-            </a:r>
-            <a:r>
-              <a:t>in JavaScript</a:t>
-            </a:r>
-          </a:p>
-          <a:p>
-            <a:pPr lvl="1" marL="685800" indent="-279400">
-              <a:spcBef>
-                <a:spcPts val="0"/>
-              </a:spcBef>
-              <a:defRPr sz="2600"/>
-            </a:pPr>
-            <a:r>
-              <a:t>combine Java's rich class library with </a:t>
-            </a:r>
-            <a:br/>
-            <a:r>
-              <a:t>JavaScript's dynamism and simpler syntax</a:t>
-            </a:r>
-          </a:p>
-          <a:p>
-            <a:pPr lvl="1" marL="685800" indent="-279400">
-              <a:spcBef>
-                <a:spcPts val="0"/>
-              </a:spcBef>
-              <a:defRPr sz="1200"/>
-            </a:pPr>
-          </a:p>
-          <a:p>
-            <a:pPr>
-              <a:buChar char="•"/>
-            </a:pPr>
-            <a:r>
-              <a:t>current trend: languages that on top of the JVM</a:t>
-            </a:r>
-          </a:p>
-          <a:p>
-            <a:pPr lvl="1" marL="685800" indent="-279400">
-              <a:spcBef>
-                <a:spcPts val="0"/>
-              </a:spcBef>
-              <a:defRPr b="1" sz="2600"/>
-            </a:pPr>
-            <a:r>
-              <a:t>Clojure</a:t>
-            </a:r>
-            <a:r>
-              <a:rPr b="0"/>
-              <a:t>: a Lisp dialect</a:t>
-            </a:r>
-          </a:p>
-          <a:p>
-            <a:pPr lvl="1" marL="685800" indent="-279400">
-              <a:spcBef>
-                <a:spcPts val="0"/>
-              </a:spcBef>
-              <a:defRPr b="1" sz="2600"/>
-            </a:pPr>
-            <a:r>
-              <a:t>Scala</a:t>
-            </a:r>
-            <a:r>
-              <a:rPr b="0"/>
-              <a:t>: an ML-like functional language</a:t>
-            </a:r>
-          </a:p>
-          <a:p>
-            <a:pPr lvl="1" marL="685800" indent="-279400">
-              <a:spcBef>
-                <a:spcPts val="0"/>
-              </a:spcBef>
-              <a:defRPr b="1" sz="2600"/>
-            </a:pPr>
-            <a:r>
-              <a:t>Groovy</a:t>
-            </a:r>
-            <a:r>
-              <a:rPr b="0"/>
-              <a:t>: a scripting language</a:t>
-            </a:r>
-          </a:p>
-          <a:p>
-            <a:pPr lvl="1" marL="685800" indent="-279400">
-              <a:spcBef>
-                <a:spcPts val="0"/>
-              </a:spcBef>
-              <a:defRPr sz="2600"/>
-            </a:pPr>
-            <a:r>
-              <a:t>JVM adaptations: JRuby, Jython, Erjang, JScheme, ...</a:t>
-            </a:r>
-          </a:p>
-        </p:txBody>
-      </p:sp>
-      <p:pic>
-        <p:nvPicPr>
-          <p:cNvPr id="120" name="image.png" descr="image.png"/>
-          <p:cNvPicPr>
-            <a:picLocks noChangeAspect="1"/>
-          </p:cNvPicPr>
-          <p:nvPr/>
-        </p:nvPicPr>
-        <p:blipFill>
-          <a:blip r:embed="rId2">
-            <a:extLst/>
-          </a:blip>
-          <a:srcRect l="9219" t="2026" r="12689" b="2702"/>
-          <a:stretch>
-            <a:fillRect/>
-          </a:stretch>
-        </p:blipFill>
-        <p:spPr>
-          <a:xfrm>
-            <a:off x="7848600" y="1109662"/>
-            <a:ext cx="1143001" cy="2014539"/>
-          </a:xfrm>
-          <a:prstGeom prst="rect">
-            <a:avLst/>
-          </a:prstGeom>
-          <a:ln w="12700">
-            <a:miter lim="400000"/>
-          </a:ln>
-        </p:spPr>
-      </p:pic>
-    </p:spTree>
-  </p:cSld>
-  <p:clrMapOvr>
-    <a:masterClrMapping/>
-  </p:clrMapOvr>
-  <p:transition xmlns:p14="http://schemas.microsoft.com/office/powerpoint/2010/main" spd="med" advClick="1"/>
-</p:sld>
-</file>
-
-<file path=ppt/slides/slide23.xml><?xml version="1.0" encoding="utf-8"?>
-<p:sld xmlns:a="http://schemas.openxmlformats.org/drawingml/2006/main" xmlns:r="http://schemas.openxmlformats.org/officeDocument/2006/relationships" xmlns:p="http://schemas.openxmlformats.org/presentationml/2006/main" xmlns:m="http://schemas.openxmlformats.org/officeDocument/2006/math" xmlns:a14="http://schemas.microsoft.com/office/drawing/2010/main" showMasterSp="1" showMasterPhAnim="1">
-  <p:cSld>
-    <p:spTree>
-      <p:nvGrpSpPr>
-        <p:cNvPr id="1" name=""/>
-        <p:cNvGrpSpPr/>
-        <p:nvPr/>
-      </p:nvGrpSpPr>
-      <p:grpSpPr>
-        <a:xfrm>
-          <a:off x="0" y="0"/>
-          <a:ext cx="0" cy="0"/>
-          <a:chOff x="0" y="0"/>
-          <a:chExt cx="0" cy="0"/>
-        </a:xfrm>
-      </p:grpSpPr>
-      <p:sp>
-        <p:nvSpPr>
-          <p:cNvPr id="122" name="Slide Number"/>
-          <p:cNvSpPr txBox="1"/>
-          <p:nvPr>
-            <p:ph type="sldNum" sz="quarter" idx="2"/>
-          </p:nvPr>
-        </p:nvSpPr>
-        <p:spPr>
-          <a:xfrm>
-            <a:off x="8785125" y="6530975"/>
-            <a:ext cx="206475" cy="190501"/>
-          </a:xfrm>
-          <a:prstGeom prst="rect">
-            <a:avLst/>
-          </a:prstGeom>
-          <a:extLst>
-            <a:ext uri="{C572A759-6A51-4108-AA02-DFA0A04FC94B}">
-              <ma14:wrappingTextBoxFlag xmlns:ma14="http://schemas.microsoft.com/office/mac/drawingml/2011/main" val="1"/>
-            </a:ext>
-          </a:extLst>
-        </p:spPr>
-        <p:txBody>
-          <a:bodyPr/>
-          <a:lstStyle/>
-          <a:p>
-            <a:pPr/>
-            <a:fld id="{86CB4B4D-7CA3-9044-876B-883B54F8677D}" type="slidenum"/>
-          </a:p>
-        </p:txBody>
-      </p:sp>
-      <p:sp>
-        <p:nvSpPr>
-          <p:cNvPr id="123" name="Using Java classes in Rhino"/>
-          <p:cNvSpPr txBox="1"/>
-          <p:nvPr>
-            <p:ph type="title"/>
-          </p:nvPr>
-        </p:nvSpPr>
-        <p:spPr>
-          <a:prstGeom prst="rect">
-            <a:avLst/>
-          </a:prstGeom>
-        </p:spPr>
-        <p:txBody>
-          <a:bodyPr/>
-          <a:lstStyle/>
-          <a:p>
-            <a:pPr/>
-            <a:r>
-              <a:t>Using Java classes in Rhino</a:t>
-            </a:r>
-          </a:p>
-        </p:txBody>
-      </p:sp>
-      <p:sp>
-        <p:nvSpPr>
-          <p:cNvPr id="124" name="importPackage(Packages.package);…"/>
-          <p:cNvSpPr txBox="1"/>
-          <p:nvPr>
-            <p:ph type="body" idx="1"/>
-          </p:nvPr>
-        </p:nvSpPr>
-        <p:spPr>
-          <a:prstGeom prst="rect">
-            <a:avLst/>
-          </a:prstGeom>
-        </p:spPr>
-        <p:txBody>
-          <a:bodyPr/>
-          <a:lstStyle/>
-          <a:p>
-            <a:pPr marL="289179" indent="-289179" defTabSz="905255">
-              <a:lnSpc>
-                <a:spcPct val="80000"/>
-              </a:lnSpc>
-              <a:buSzTx/>
-              <a:buNone/>
-              <a:defRPr sz="2772">
-                <a:latin typeface="Consolas"/>
-                <a:ea typeface="Consolas"/>
-                <a:cs typeface="Consolas"/>
-                <a:sym typeface="Consolas"/>
-              </a:defRPr>
-            </a:pPr>
-            <a:r>
-              <a:t>    importPackage(Packages.</a:t>
-            </a:r>
-            <a:r>
-              <a:rPr b="1" i="1"/>
-              <a:t>package</a:t>
-            </a:r>
-            <a:r>
-              <a:t>);</a:t>
-            </a:r>
-          </a:p>
-          <a:p>
-            <a:pPr marL="289179" indent="-289179" defTabSz="905255">
-              <a:lnSpc>
-                <a:spcPct val="80000"/>
-              </a:lnSpc>
-              <a:buSzTx/>
-              <a:buNone/>
-              <a:defRPr sz="2772">
-                <a:latin typeface="Consolas"/>
-                <a:ea typeface="Consolas"/>
-                <a:cs typeface="Consolas"/>
-                <a:sym typeface="Consolas"/>
-              </a:defRPr>
-            </a:pPr>
-            <a:r>
-              <a:t>    importClass(Packages.</a:t>
-            </a:r>
-            <a:r>
-              <a:rPr b="1" i="1"/>
-              <a:t>package</a:t>
-            </a:r>
-            <a:r>
-              <a:t>);</a:t>
-            </a:r>
-          </a:p>
-          <a:p>
-            <a:pPr marL="289179" indent="-289179" defTabSz="905255">
-              <a:lnSpc>
-                <a:spcPct val="80000"/>
-              </a:lnSpc>
-              <a:buSzTx/>
-              <a:buNone/>
-              <a:defRPr sz="2772">
-                <a:latin typeface="Consolas"/>
-                <a:ea typeface="Consolas"/>
-                <a:cs typeface="Consolas"/>
-                <a:sym typeface="Consolas"/>
-              </a:defRPr>
-            </a:pPr>
-            <a:r>
-              <a:t>    var </a:t>
-            </a:r>
-            <a:r>
-              <a:rPr b="1" i="1"/>
-              <a:t>name</a:t>
-            </a:r>
-            <a:r>
-              <a:t> = new </a:t>
-            </a:r>
-            <a:r>
-              <a:rPr b="1" i="1"/>
-              <a:t>JavaClassName</a:t>
-            </a:r>
-            <a:r>
-              <a:t>(</a:t>
-            </a:r>
-            <a:r>
-              <a:rPr b="1" i="1"/>
-              <a:t>params</a:t>
-            </a:r>
-            <a:r>
-              <a:t>);</a:t>
-            </a:r>
-          </a:p>
-          <a:p>
-            <a:pPr marL="289179" indent="-289179" defTabSz="905255">
-              <a:lnSpc>
-                <a:spcPct val="80000"/>
-              </a:lnSpc>
-              <a:buSzTx/>
-              <a:buNone/>
-              <a:defRPr sz="2772">
-                <a:latin typeface="Consolas"/>
-                <a:ea typeface="Consolas"/>
-                <a:cs typeface="Consolas"/>
-                <a:sym typeface="Consolas"/>
-              </a:defRPr>
-            </a:pPr>
-          </a:p>
-          <a:p>
-            <a:pPr marL="289179" indent="-289179" defTabSz="905255">
-              <a:buChar char="•"/>
-              <a:defRPr sz="2772"/>
-            </a:pPr>
-            <a:r>
-              <a:t>Example:</a:t>
-            </a:r>
-          </a:p>
-          <a:p>
-            <a:pPr lvl="1" marL="276606" indent="125729" defTabSz="905255">
-              <a:spcBef>
-                <a:spcPts val="0"/>
-              </a:spcBef>
-              <a:buSzTx/>
-              <a:buNone/>
-              <a:defRPr sz="792">
-                <a:latin typeface="Consolas"/>
-                <a:ea typeface="Consolas"/>
-                <a:cs typeface="Consolas"/>
-                <a:sym typeface="Consolas"/>
-              </a:defRPr>
-            </a:pPr>
-          </a:p>
-          <a:p>
-            <a:pPr lvl="1" marL="276606" indent="125729" defTabSz="905255">
-              <a:spcBef>
-                <a:spcPts val="0"/>
-              </a:spcBef>
-              <a:buSzTx/>
-              <a:buNone/>
-              <a:defRPr b="1" sz="2574">
-                <a:latin typeface="Consolas"/>
-                <a:ea typeface="Consolas"/>
-                <a:cs typeface="Consolas"/>
-                <a:sym typeface="Consolas"/>
-              </a:defRPr>
-            </a:pPr>
-            <a:r>
-              <a:t>&gt; importPackage(Packages.java.util);</a:t>
-            </a:r>
-          </a:p>
-          <a:p>
-            <a:pPr lvl="1" marL="276606" indent="125729" defTabSz="905255">
-              <a:spcBef>
-                <a:spcPts val="0"/>
-              </a:spcBef>
-              <a:buSzTx/>
-              <a:buNone/>
-              <a:defRPr b="1" sz="2574">
-                <a:latin typeface="Consolas"/>
-                <a:ea typeface="Consolas"/>
-                <a:cs typeface="Consolas"/>
-                <a:sym typeface="Consolas"/>
-              </a:defRPr>
-            </a:pPr>
-            <a:r>
-              <a:t>&gt; var s = new TreeSet();</a:t>
-            </a:r>
-          </a:p>
-          <a:p>
-            <a:pPr lvl="1" marL="276606" indent="125729" defTabSz="905255">
-              <a:spcBef>
-                <a:spcPts val="0"/>
-              </a:spcBef>
-              <a:buSzTx/>
-              <a:buNone/>
-              <a:defRPr b="1" sz="2574">
-                <a:latin typeface="Consolas"/>
-                <a:ea typeface="Consolas"/>
-                <a:cs typeface="Consolas"/>
-                <a:sym typeface="Consolas"/>
-              </a:defRPr>
-            </a:pPr>
-            <a:r>
-              <a:t>&gt; s.addAll(Arrays.asList([2,7,1,2,4,1,2,4]));</a:t>
-            </a:r>
-          </a:p>
-          <a:p>
-            <a:pPr lvl="1" marL="276606" indent="125729" defTabSz="905255">
-              <a:spcBef>
-                <a:spcPts val="0"/>
-              </a:spcBef>
-              <a:buSzTx/>
-              <a:buNone/>
-              <a:defRPr b="1" sz="2574">
-                <a:latin typeface="Consolas"/>
-                <a:ea typeface="Consolas"/>
-                <a:cs typeface="Consolas"/>
-                <a:sym typeface="Consolas"/>
-              </a:defRPr>
-            </a:pPr>
-            <a:r>
-              <a:t>&gt; s</a:t>
-            </a:r>
-          </a:p>
-          <a:p>
-            <a:pPr lvl="1" marL="276606" indent="125729" defTabSz="905255">
-              <a:spcBef>
-                <a:spcPts val="0"/>
-              </a:spcBef>
-              <a:buSzTx/>
-              <a:buNone/>
-              <a:defRPr i="1" sz="2574">
-                <a:latin typeface="Consolas"/>
-                <a:ea typeface="Consolas"/>
-                <a:cs typeface="Consolas"/>
-                <a:sym typeface="Consolas"/>
-              </a:defRPr>
-            </a:pPr>
-            <a:r>
-              <a:t>[1.0, 2.0, 4.0, 7.0]</a:t>
-            </a:r>
-          </a:p>
-        </p:txBody>
-      </p:sp>
-    </p:spTree>
-  </p:cSld>
-  <p:clrMapOvr>
-    <a:masterClrMapping/>
-  </p:clrMapOvr>
-  <p:transition xmlns:p14="http://schemas.microsoft.com/office/powerpoint/2010/main" spd="med" advClick="1"/>
-</p:sld>
-</file>
-
-<file path=ppt/slides/slide24.xml><?xml version="1.0" encoding="utf-8"?>
-<p:sld xmlns:a="http://schemas.openxmlformats.org/drawingml/2006/main" xmlns:r="http://schemas.openxmlformats.org/officeDocument/2006/relationships" xmlns:p="http://schemas.openxmlformats.org/presentationml/2006/main" xmlns:m="http://schemas.openxmlformats.org/officeDocument/2006/math" xmlns:a14="http://schemas.microsoft.com/office/drawing/2010/main" showMasterSp="1" showMasterPhAnim="1">
-  <p:cSld>
-    <p:spTree>
-      <p:nvGrpSpPr>
-        <p:cNvPr id="1" name=""/>
-        <p:cNvGrpSpPr/>
-        <p:nvPr/>
-      </p:nvGrpSpPr>
-      <p:grpSpPr>
-        <a:xfrm>
-          <a:off x="0" y="0"/>
-          <a:ext cx="0" cy="0"/>
-          <a:chOff x="0" y="0"/>
-          <a:chExt cx="0" cy="0"/>
-        </a:xfrm>
-      </p:grpSpPr>
-      <p:sp>
-        <p:nvSpPr>
-          <p:cNvPr id="126" name="Slide Number"/>
-          <p:cNvSpPr txBox="1"/>
-          <p:nvPr>
-            <p:ph type="sldNum" sz="quarter" idx="2"/>
-          </p:nvPr>
-        </p:nvSpPr>
-        <p:spPr>
-          <a:xfrm>
-            <a:off x="8785125" y="6530975"/>
-            <a:ext cx="206475" cy="190501"/>
-          </a:xfrm>
-          <a:prstGeom prst="rect">
-            <a:avLst/>
-          </a:prstGeom>
-          <a:extLst>
-            <a:ext uri="{C572A759-6A51-4108-AA02-DFA0A04FC94B}">
-              <ma14:wrappingTextBoxFlag xmlns:ma14="http://schemas.microsoft.com/office/mac/drawingml/2011/main" val="1"/>
-            </a:ext>
-          </a:extLst>
-        </p:spPr>
-        <p:txBody>
-          <a:bodyPr/>
-          <a:lstStyle/>
-          <a:p>
-            <a:pPr/>
-            <a:fld id="{86CB4B4D-7CA3-9044-876B-883B54F8677D}" type="slidenum"/>
-          </a:p>
-        </p:txBody>
-      </p:sp>
-      <p:sp>
-        <p:nvSpPr>
-          <p:cNvPr id="127" name="Accessing class properties"/>
-          <p:cNvSpPr txBox="1"/>
-          <p:nvPr>
-            <p:ph type="title"/>
-          </p:nvPr>
-        </p:nvSpPr>
-        <p:spPr>
-          <a:prstGeom prst="rect">
-            <a:avLst/>
-          </a:prstGeom>
-        </p:spPr>
-        <p:txBody>
-          <a:bodyPr/>
-          <a:lstStyle/>
-          <a:p>
-            <a:pPr/>
-            <a:r>
-              <a:t>Accessing class properties</a:t>
-            </a:r>
-          </a:p>
-        </p:txBody>
-      </p:sp>
-      <p:sp>
-        <p:nvSpPr>
-          <p:cNvPr id="128" name="JavaClassName.property…"/>
-          <p:cNvSpPr txBox="1"/>
-          <p:nvPr>
-            <p:ph type="body" idx="1"/>
-          </p:nvPr>
-        </p:nvSpPr>
-        <p:spPr>
-          <a:prstGeom prst="rect">
-            <a:avLst/>
-          </a:prstGeom>
-        </p:spPr>
-        <p:txBody>
-          <a:bodyPr/>
-          <a:lstStyle/>
-          <a:p>
-            <a:pPr>
-              <a:lnSpc>
-                <a:spcPct val="80000"/>
-              </a:lnSpc>
-              <a:buSzTx/>
-              <a:buNone/>
-              <a:defRPr b="1" i="1">
-                <a:latin typeface="Consolas"/>
-                <a:ea typeface="Consolas"/>
-                <a:cs typeface="Consolas"/>
-                <a:sym typeface="Consolas"/>
-              </a:defRPr>
-            </a:pPr>
-            <a:r>
-              <a:t>          JavaClassName</a:t>
-            </a:r>
-            <a:r>
-              <a:rPr b="0" i="0"/>
-              <a:t>.</a:t>
-            </a:r>
-            <a:r>
-              <a:t>property</a:t>
-            </a:r>
-          </a:p>
-          <a:p>
-            <a:pPr>
-              <a:lnSpc>
-                <a:spcPct val="80000"/>
-              </a:lnSpc>
-              <a:buSzTx/>
-              <a:buNone/>
-              <a:defRPr b="1" i="1">
-                <a:latin typeface="Consolas"/>
-                <a:ea typeface="Consolas"/>
-                <a:cs typeface="Consolas"/>
-                <a:sym typeface="Consolas"/>
-              </a:defRPr>
-            </a:pPr>
-            <a:r>
-              <a:t>          JavaClassName</a:t>
-            </a:r>
-            <a:r>
-              <a:rPr b="0" i="0"/>
-              <a:t>["</a:t>
-            </a:r>
-            <a:r>
-              <a:t>property</a:t>
-            </a:r>
-            <a:r>
-              <a:rPr b="0" i="0"/>
-              <a:t>"]</a:t>
-            </a:r>
-          </a:p>
-          <a:p>
-            <a:pPr>
-              <a:buSzTx/>
-              <a:buNone/>
-            </a:pPr>
-            <a:endParaRPr>
-              <a:latin typeface="Consolas"/>
-              <a:ea typeface="Consolas"/>
-              <a:cs typeface="Consolas"/>
-              <a:sym typeface="Consolas"/>
-            </a:endParaRPr>
-          </a:p>
-          <a:p>
-            <a:pPr>
-              <a:buChar char="•"/>
-            </a:pPr>
-            <a:r>
-              <a:t>Example:</a:t>
-            </a:r>
-            <a:endParaRPr sz="2400">
-              <a:latin typeface="Consolas"/>
-              <a:ea typeface="Consolas"/>
-              <a:cs typeface="Consolas"/>
-              <a:sym typeface="Consolas"/>
-            </a:endParaRPr>
-          </a:p>
-          <a:p>
-            <a:pPr lvl="1" marL="279400" indent="127000">
-              <a:lnSpc>
-                <a:spcPct val="80000"/>
-              </a:lnSpc>
-              <a:spcBef>
-                <a:spcPts val="0"/>
-              </a:spcBef>
-              <a:buSzTx/>
-              <a:buNone/>
-              <a:defRPr b="1" sz="800">
-                <a:latin typeface="Consolas"/>
-                <a:ea typeface="Consolas"/>
-                <a:cs typeface="Consolas"/>
-                <a:sym typeface="Consolas"/>
-              </a:defRPr>
-            </a:pPr>
-          </a:p>
-          <a:p>
-            <a:pPr lvl="1" marL="279400" indent="127000">
-              <a:lnSpc>
-                <a:spcPct val="80000"/>
-              </a:lnSpc>
-              <a:spcBef>
-                <a:spcPts val="0"/>
-              </a:spcBef>
-              <a:buSzTx/>
-              <a:buNone/>
-              <a:defRPr b="1" sz="2200">
-                <a:latin typeface="Consolas"/>
-                <a:ea typeface="Consolas"/>
-                <a:cs typeface="Consolas"/>
-                <a:sym typeface="Consolas"/>
-              </a:defRPr>
-            </a:pPr>
-            <a:r>
-              <a:t>&gt; var console = new Scanner(System.in);</a:t>
-            </a:r>
-          </a:p>
-          <a:p>
-            <a:pPr lvl="1" marL="279400" indent="127000">
-              <a:lnSpc>
-                <a:spcPct val="80000"/>
-              </a:lnSpc>
-              <a:spcBef>
-                <a:spcPts val="0"/>
-              </a:spcBef>
-              <a:buSzTx/>
-              <a:buNone/>
-              <a:defRPr i="1" sz="2200">
-                <a:solidFill>
-                  <a:srgbClr val="800000"/>
-                </a:solidFill>
-                <a:latin typeface="Consolas"/>
-                <a:ea typeface="Consolas"/>
-                <a:cs typeface="Consolas"/>
-                <a:sym typeface="Consolas"/>
-              </a:defRPr>
-            </a:pPr>
-            <a:r>
-              <a:t>js: "&lt;stdin&gt;", line 44: missing name after . operator</a:t>
-            </a:r>
-          </a:p>
-          <a:p>
-            <a:pPr lvl="1" marL="279400" indent="127000">
-              <a:lnSpc>
-                <a:spcPct val="80000"/>
-              </a:lnSpc>
-              <a:spcBef>
-                <a:spcPts val="0"/>
-              </a:spcBef>
-              <a:buSzTx/>
-              <a:buNone/>
-              <a:defRPr i="1" sz="2200">
-                <a:solidFill>
-                  <a:srgbClr val="800000"/>
-                </a:solidFill>
-                <a:latin typeface="Consolas"/>
-                <a:ea typeface="Consolas"/>
-                <a:cs typeface="Consolas"/>
-                <a:sym typeface="Consolas"/>
-              </a:defRPr>
-            </a:pPr>
-            <a:r>
-              <a:t>js: var console = new Scanner(System.in);</a:t>
-            </a:r>
-          </a:p>
-          <a:p>
-            <a:pPr lvl="1" marL="279400" indent="127000">
-              <a:lnSpc>
-                <a:spcPct val="80000"/>
-              </a:lnSpc>
-              <a:spcBef>
-                <a:spcPts val="0"/>
-              </a:spcBef>
-              <a:buSzTx/>
-              <a:buNone/>
-              <a:defRPr i="1" sz="2200">
-                <a:solidFill>
-                  <a:srgbClr val="800000"/>
-                </a:solidFill>
-                <a:latin typeface="Consolas"/>
-                <a:ea typeface="Consolas"/>
-                <a:cs typeface="Consolas"/>
-                <a:sym typeface="Consolas"/>
-              </a:defRPr>
-            </a:pPr>
-            <a:r>
-              <a:t>js: ...................................^</a:t>
-            </a:r>
-          </a:p>
-          <a:p>
-            <a:pPr lvl="1" marL="279400" indent="127000">
-              <a:lnSpc>
-                <a:spcPct val="80000"/>
-              </a:lnSpc>
-              <a:spcBef>
-                <a:spcPts val="0"/>
-              </a:spcBef>
-              <a:buSzTx/>
-              <a:buNone/>
-              <a:defRPr b="1" sz="2200">
-                <a:latin typeface="Consolas"/>
-                <a:ea typeface="Consolas"/>
-                <a:cs typeface="Consolas"/>
-                <a:sym typeface="Consolas"/>
-              </a:defRPr>
-            </a:pPr>
-            <a:r>
-              <a:t>&gt; var console = new Scanner(System["in"]);</a:t>
-            </a:r>
-          </a:p>
-        </p:txBody>
-      </p:sp>
-    </p:spTree>
-  </p:cSld>
-  <p:clrMapOvr>
-    <a:masterClrMapping/>
-  </p:clrMapOvr>
-  <p:transition xmlns:p14="http://schemas.microsoft.com/office/powerpoint/2010/main" spd="med" advClick="1"/>
-</p:sld>
-</file>
-
-<file path=ppt/slides/slide25.xml><?xml version="1.0" encoding="utf-8"?>
-<p:sld xmlns:a="http://schemas.openxmlformats.org/drawingml/2006/main" xmlns:r="http://schemas.openxmlformats.org/officeDocument/2006/relationships" xmlns:p="http://schemas.openxmlformats.org/presentationml/2006/main" xmlns:m="http://schemas.openxmlformats.org/officeDocument/2006/math" xmlns:a14="http://schemas.microsoft.com/office/drawing/2010/main" showMasterSp="1" showMasterPhAnim="1">
-  <p:cSld>
-    <p:spTree>
-      <p:nvGrpSpPr>
-        <p:cNvPr id="1" name=""/>
-        <p:cNvGrpSpPr/>
-        <p:nvPr/>
-      </p:nvGrpSpPr>
-      <p:grpSpPr>
-        <a:xfrm>
-          <a:off x="0" y="0"/>
-          <a:ext cx="0" cy="0"/>
-          <a:chOff x="0" y="0"/>
-          <a:chExt cx="0" cy="0"/>
-        </a:xfrm>
-      </p:grpSpPr>
-      <p:sp>
-        <p:nvSpPr>
-          <p:cNvPr id="130" name="Slide Number"/>
-          <p:cNvSpPr txBox="1"/>
-          <p:nvPr>
-            <p:ph type="sldNum" sz="quarter" idx="2"/>
-          </p:nvPr>
-        </p:nvSpPr>
-        <p:spPr>
-          <a:xfrm>
-            <a:off x="8785125" y="6530975"/>
-            <a:ext cx="206475" cy="190501"/>
-          </a:xfrm>
-          <a:prstGeom prst="rect">
-            <a:avLst/>
-          </a:prstGeom>
-          <a:extLst>
-            <a:ext uri="{C572A759-6A51-4108-AA02-DFA0A04FC94B}">
-              <ma14:wrappingTextBoxFlag xmlns:ma14="http://schemas.microsoft.com/office/mac/drawingml/2011/main" val="1"/>
-            </a:ext>
-          </a:extLst>
-        </p:spPr>
-        <p:txBody>
-          <a:bodyPr/>
-          <a:lstStyle/>
-          <a:p>
-            <a:pPr/>
-            <a:fld id="{86CB4B4D-7CA3-9044-876B-883B54F8677D}" type="slidenum"/>
-          </a:p>
-        </p:txBody>
-      </p:sp>
-      <p:sp>
-        <p:nvSpPr>
-          <p:cNvPr id="131" name="Some Java ↔ JS quirks"/>
-          <p:cNvSpPr txBox="1"/>
-          <p:nvPr>
-            <p:ph type="title"/>
-          </p:nvPr>
-        </p:nvSpPr>
-        <p:spPr>
-          <a:prstGeom prst="rect">
-            <a:avLst/>
-          </a:prstGeom>
-        </p:spPr>
-        <p:txBody>
-          <a:bodyPr/>
-          <a:lstStyle/>
-          <a:p>
-            <a:pPr/>
-            <a:r>
-              <a:t>Some Java ↔ JS quirks</a:t>
-            </a:r>
-          </a:p>
-        </p:txBody>
-      </p:sp>
-      <p:sp>
-        <p:nvSpPr>
-          <p:cNvPr id="132" name="JS Numbers are sometimes doubles when used in Java…"/>
-          <p:cNvSpPr txBox="1"/>
-          <p:nvPr>
-            <p:ph type="body" idx="1"/>
-          </p:nvPr>
-        </p:nvSpPr>
-        <p:spPr>
-          <a:prstGeom prst="rect">
-            <a:avLst/>
-          </a:prstGeom>
-        </p:spPr>
-        <p:txBody>
-          <a:bodyPr/>
-          <a:lstStyle/>
-          <a:p>
-            <a:pPr marL="277495" indent="-277495" defTabSz="868680">
-              <a:buChar char="•"/>
-              <a:defRPr sz="2660"/>
-            </a:pPr>
-            <a:r>
-              <a:t>JS </a:t>
-            </a:r>
-            <a:r>
-              <a:rPr>
-                <a:latin typeface="Consolas"/>
-                <a:ea typeface="Consolas"/>
-                <a:cs typeface="Consolas"/>
-                <a:sym typeface="Consolas"/>
-              </a:rPr>
-              <a:t>Number</a:t>
-            </a:r>
-            <a:r>
-              <a:t>s are sometimes </a:t>
-            </a:r>
-            <a:r>
-              <a:rPr>
-                <a:latin typeface="Consolas"/>
-                <a:ea typeface="Consolas"/>
-                <a:cs typeface="Consolas"/>
-                <a:sym typeface="Consolas"/>
-              </a:rPr>
-              <a:t>double</a:t>
-            </a:r>
-            <a:r>
-              <a:t>s when used in Java</a:t>
-            </a:r>
-          </a:p>
-          <a:p>
-            <a:pPr lvl="1" marL="265429" indent="120650" defTabSz="868680">
-              <a:lnSpc>
-                <a:spcPct val="70000"/>
-              </a:lnSpc>
-              <a:spcBef>
-                <a:spcPts val="0"/>
-              </a:spcBef>
-              <a:buSzTx/>
-              <a:buNone/>
-              <a:defRPr b="1" sz="2470">
-                <a:latin typeface="Consolas"/>
-                <a:ea typeface="Consolas"/>
-                <a:cs typeface="Consolas"/>
-                <a:sym typeface="Consolas"/>
-              </a:defRPr>
-            </a:pPr>
-            <a:r>
-              <a:t>&gt; Arrays.asList([1, 2, 3])</a:t>
-            </a:r>
-          </a:p>
-          <a:p>
-            <a:pPr lvl="1" marL="265429" indent="120650" defTabSz="868680">
-              <a:lnSpc>
-                <a:spcPct val="70000"/>
-              </a:lnSpc>
-              <a:spcBef>
-                <a:spcPts val="0"/>
-              </a:spcBef>
-              <a:buSzTx/>
-              <a:buNone/>
-              <a:defRPr i="1" sz="2470">
-                <a:latin typeface="Consolas"/>
-                <a:ea typeface="Consolas"/>
-                <a:cs typeface="Consolas"/>
-                <a:sym typeface="Consolas"/>
-              </a:defRPr>
-            </a:pPr>
-            <a:r>
-              <a:t>[1.0, 2.0, 3.0]       &lt;-- ArrayList&lt;Double&gt;</a:t>
-            </a:r>
-            <a:endParaRPr sz="1140"/>
-          </a:p>
-          <a:p>
-            <a:pPr lvl="1" marL="265429" indent="120650" defTabSz="868680">
-              <a:lnSpc>
-                <a:spcPct val="70000"/>
-              </a:lnSpc>
-              <a:spcBef>
-                <a:spcPts val="0"/>
-              </a:spcBef>
-              <a:buSzTx/>
-              <a:buNone/>
-              <a:defRPr i="1" sz="1140">
-                <a:latin typeface="Consolas"/>
-                <a:ea typeface="Consolas"/>
-                <a:cs typeface="Consolas"/>
-                <a:sym typeface="Consolas"/>
-              </a:defRPr>
-            </a:pPr>
-          </a:p>
-          <a:p>
-            <a:pPr marL="277495" indent="-277495" defTabSz="868680">
-              <a:buChar char="•"/>
-              <a:defRPr sz="2660"/>
-            </a:pPr>
-            <a:r>
-              <a:t>to force usage of </a:t>
-            </a:r>
-            <a:r>
-              <a:rPr>
-                <a:latin typeface="Consolas"/>
-                <a:ea typeface="Consolas"/>
-                <a:cs typeface="Consolas"/>
-                <a:sym typeface="Consolas"/>
-              </a:rPr>
-              <a:t>int</a:t>
-            </a:r>
-            <a:r>
-              <a:t>, use </a:t>
-            </a:r>
-            <a:r>
-              <a:rPr>
-                <a:latin typeface="Consolas"/>
-                <a:ea typeface="Consolas"/>
-                <a:cs typeface="Consolas"/>
-                <a:sym typeface="Consolas"/>
-              </a:rPr>
-              <a:t>Integer</a:t>
-            </a:r>
-            <a:r>
-              <a:t> objects</a:t>
-            </a:r>
-          </a:p>
-          <a:p>
-            <a:pPr lvl="1" marL="265429" indent="120650" defTabSz="868680">
-              <a:lnSpc>
-                <a:spcPct val="70000"/>
-              </a:lnSpc>
-              <a:spcBef>
-                <a:spcPts val="0"/>
-              </a:spcBef>
-              <a:buSzTx/>
-              <a:buNone/>
-              <a:defRPr b="1" sz="2470">
-                <a:latin typeface="Consolas"/>
-                <a:ea typeface="Consolas"/>
-                <a:cs typeface="Consolas"/>
-                <a:sym typeface="Consolas"/>
-              </a:defRPr>
-            </a:pPr>
-            <a:r>
-              <a:t>&gt; var list = new ArrayList();</a:t>
-            </a:r>
-          </a:p>
-          <a:p>
-            <a:pPr lvl="1" marL="265429" indent="120650" defTabSz="868680">
-              <a:lnSpc>
-                <a:spcPct val="70000"/>
-              </a:lnSpc>
-              <a:spcBef>
-                <a:spcPts val="0"/>
-              </a:spcBef>
-              <a:buSzTx/>
-              <a:buNone/>
-              <a:defRPr b="1" sz="2470">
-                <a:latin typeface="Consolas"/>
-                <a:ea typeface="Consolas"/>
-                <a:cs typeface="Consolas"/>
-                <a:sym typeface="Consolas"/>
-              </a:defRPr>
-            </a:pPr>
-            <a:r>
-              <a:t>&gt; list.add(1);</a:t>
-            </a:r>
-          </a:p>
-          <a:p>
-            <a:pPr lvl="1" marL="265429" indent="120650" defTabSz="868680">
-              <a:lnSpc>
-                <a:spcPct val="70000"/>
-              </a:lnSpc>
-              <a:spcBef>
-                <a:spcPts val="0"/>
-              </a:spcBef>
-              <a:buSzTx/>
-              <a:buNone/>
-              <a:defRPr b="1" sz="2470">
-                <a:latin typeface="Consolas"/>
-                <a:ea typeface="Consolas"/>
-                <a:cs typeface="Consolas"/>
-                <a:sym typeface="Consolas"/>
-              </a:defRPr>
-            </a:pPr>
-            <a:r>
-              <a:t>&gt; list.add(</a:t>
-            </a:r>
-            <a:r>
-              <a:rPr>
-                <a:solidFill>
-                  <a:schemeClr val="accent2"/>
-                </a:solidFill>
-              </a:rPr>
-              <a:t>new Integer(2)</a:t>
-            </a:r>
-            <a:r>
-              <a:t>);</a:t>
-            </a:r>
-          </a:p>
-          <a:p>
-            <a:pPr lvl="1" marL="265429" indent="120650" defTabSz="868680">
-              <a:lnSpc>
-                <a:spcPct val="70000"/>
-              </a:lnSpc>
-              <a:spcBef>
-                <a:spcPts val="0"/>
-              </a:spcBef>
-              <a:buSzTx/>
-              <a:buNone/>
-              <a:defRPr b="1" sz="2470">
-                <a:latin typeface="Consolas"/>
-                <a:ea typeface="Consolas"/>
-                <a:cs typeface="Consolas"/>
-                <a:sym typeface="Consolas"/>
-              </a:defRPr>
-            </a:pPr>
-            <a:r>
-              <a:t>&gt; list</a:t>
-            </a:r>
-          </a:p>
-          <a:p>
-            <a:pPr lvl="1" marL="265429" indent="120650" defTabSz="868680">
-              <a:lnSpc>
-                <a:spcPct val="70000"/>
-              </a:lnSpc>
-              <a:spcBef>
-                <a:spcPts val="0"/>
-              </a:spcBef>
-              <a:buSzTx/>
-              <a:buNone/>
-              <a:defRPr b="1" sz="2470">
-                <a:latin typeface="Consolas"/>
-                <a:ea typeface="Consolas"/>
-                <a:cs typeface="Consolas"/>
-                <a:sym typeface="Consolas"/>
-              </a:defRPr>
-            </a:pPr>
-            <a:r>
-              <a:t>[1.0, </a:t>
-            </a:r>
-            <a:r>
-              <a:rPr>
-                <a:solidFill>
-                  <a:schemeClr val="accent2"/>
-                </a:solidFill>
-              </a:rPr>
-              <a:t>2</a:t>
-            </a:r>
-            <a:r>
-              <a:t>]</a:t>
-            </a:r>
-            <a:endParaRPr i="1" sz="2090">
-              <a:solidFill>
-                <a:srgbClr val="800000"/>
-              </a:solidFill>
-            </a:endParaRPr>
-          </a:p>
-          <a:p>
-            <a:pPr lvl="1" marL="265429" indent="120650" defTabSz="868680">
-              <a:lnSpc>
-                <a:spcPct val="70000"/>
-              </a:lnSpc>
-              <a:spcBef>
-                <a:spcPts val="0"/>
-              </a:spcBef>
-              <a:buSzTx/>
-              <a:buNone/>
-              <a:defRPr i="1" sz="1140">
-                <a:latin typeface="Consolas"/>
-                <a:ea typeface="Consolas"/>
-                <a:cs typeface="Consolas"/>
-                <a:sym typeface="Consolas"/>
-              </a:defRPr>
-            </a:pPr>
-          </a:p>
-          <a:p>
-            <a:pPr marL="277495" indent="-277495" defTabSz="868680">
-              <a:buChar char="•"/>
-              <a:defRPr sz="2660">
-                <a:latin typeface="Consolas"/>
-                <a:ea typeface="Consolas"/>
-                <a:cs typeface="Consolas"/>
-                <a:sym typeface="Consolas"/>
-              </a:defRPr>
-            </a:pPr>
-            <a:r>
-              <a:t>char</a:t>
-            </a:r>
-            <a:r>
-              <a:rPr>
-                <a:latin typeface="Calibri"/>
-                <a:ea typeface="Calibri"/>
-                <a:cs typeface="Calibri"/>
-                <a:sym typeface="Calibri"/>
-              </a:rPr>
-              <a:t>, </a:t>
-            </a:r>
-            <a:r>
-              <a:t>long</a:t>
-            </a:r>
-            <a:r>
-              <a:rPr>
-                <a:latin typeface="Calibri"/>
-                <a:ea typeface="Calibri"/>
-                <a:cs typeface="Calibri"/>
-                <a:sym typeface="Calibri"/>
-              </a:rPr>
-              <a:t>, </a:t>
-            </a:r>
-            <a:r>
-              <a:t>short</a:t>
-            </a:r>
-            <a:r>
-              <a:rPr>
-                <a:latin typeface="Calibri"/>
-                <a:ea typeface="Calibri"/>
-                <a:cs typeface="Calibri"/>
-                <a:sym typeface="Calibri"/>
-              </a:rPr>
-              <a:t>, </a:t>
-            </a:r>
-            <a:r>
-              <a:t>byte</a:t>
-            </a:r>
-            <a:r>
-              <a:rPr>
-                <a:latin typeface="Calibri"/>
-                <a:ea typeface="Calibri"/>
-                <a:cs typeface="Calibri"/>
-                <a:sym typeface="Calibri"/>
-              </a:rPr>
-              <a:t> are treated as Numbers in JS</a:t>
-            </a:r>
-            <a:endParaRPr>
-              <a:latin typeface="Calibri"/>
-              <a:ea typeface="Calibri"/>
-              <a:cs typeface="Calibri"/>
-              <a:sym typeface="Calibri"/>
-            </a:endParaRPr>
-          </a:p>
-          <a:p>
-            <a:pPr lvl="1" marL="265429" indent="120650" defTabSz="868680">
-              <a:lnSpc>
-                <a:spcPct val="70000"/>
-              </a:lnSpc>
-              <a:spcBef>
-                <a:spcPts val="0"/>
-              </a:spcBef>
-              <a:buSzTx/>
-              <a:buNone/>
-              <a:defRPr b="1" sz="2470">
-                <a:latin typeface="Consolas"/>
-                <a:ea typeface="Consolas"/>
-                <a:cs typeface="Consolas"/>
-                <a:sym typeface="Consolas"/>
-              </a:defRPr>
-            </a:pPr>
-            <a:r>
-              <a:t>&gt; var s = new java.lang.String("hello");</a:t>
-            </a:r>
-          </a:p>
-          <a:p>
-            <a:pPr lvl="1" marL="265429" indent="120650" defTabSz="868680">
-              <a:lnSpc>
-                <a:spcPct val="70000"/>
-              </a:lnSpc>
-              <a:spcBef>
-                <a:spcPts val="0"/>
-              </a:spcBef>
-              <a:buSzTx/>
-              <a:buNone/>
-              <a:defRPr b="1" sz="2470">
-                <a:latin typeface="Consolas"/>
-                <a:ea typeface="Consolas"/>
-                <a:cs typeface="Consolas"/>
-                <a:sym typeface="Consolas"/>
-              </a:defRPr>
-            </a:pPr>
-            <a:r>
-              <a:t>&gt; s.charAt(0)</a:t>
-            </a:r>
-          </a:p>
-          <a:p>
-            <a:pPr lvl="1" marL="265429" indent="120650" defTabSz="868680">
-              <a:lnSpc>
-                <a:spcPct val="70000"/>
-              </a:lnSpc>
-              <a:spcBef>
-                <a:spcPts val="0"/>
-              </a:spcBef>
-              <a:buSzTx/>
-              <a:buNone/>
-              <a:defRPr i="1" sz="2470">
-                <a:latin typeface="Consolas"/>
-                <a:ea typeface="Consolas"/>
-                <a:cs typeface="Consolas"/>
-                <a:sym typeface="Consolas"/>
-              </a:defRPr>
-            </a:pPr>
-            <a:r>
-              <a:t>104</a:t>
-            </a:r>
-          </a:p>
-        </p:txBody>
-      </p:sp>
-    </p:spTree>
-  </p:cSld>
-  <p:clrMapOvr>
-    <a:masterClrMapping/>
-  </p:clrMapOvr>
-  <p:transition xmlns:p14="http://schemas.microsoft.com/office/powerpoint/2010/main" spd="med" advClick="1"/>
-</p:sld>
-</file>
-
-<file path=ppt/slides/slide26.xml><?xml version="1.0" encoding="utf-8"?>
-<p:sld xmlns:a="http://schemas.openxmlformats.org/drawingml/2006/main" xmlns:r="http://schemas.openxmlformats.org/officeDocument/2006/relationships" xmlns:p="http://schemas.openxmlformats.org/presentationml/2006/main" xmlns:m="http://schemas.openxmlformats.org/officeDocument/2006/math" xmlns:a14="http://schemas.microsoft.com/office/drawing/2010/main" showMasterSp="1" showMasterPhAnim="1">
-  <p:cSld>
-    <p:spTree>
-      <p:nvGrpSpPr>
-        <p:cNvPr id="1" name=""/>
-        <p:cNvGrpSpPr/>
-        <p:nvPr/>
-      </p:nvGrpSpPr>
-      <p:grpSpPr>
-        <a:xfrm>
-          <a:off x="0" y="0"/>
-          <a:ext cx="0" cy="0"/>
-          <a:chOff x="0" y="0"/>
-          <a:chExt cx="0" cy="0"/>
-        </a:xfrm>
-      </p:grpSpPr>
-      <p:sp>
-        <p:nvSpPr>
-          <p:cNvPr id="134" name="Slide Number"/>
-          <p:cNvSpPr txBox="1"/>
-          <p:nvPr>
-            <p:ph type="sldNum" sz="quarter" idx="2"/>
-          </p:nvPr>
-        </p:nvSpPr>
-        <p:spPr>
-          <a:xfrm>
-            <a:off x="8785125" y="6530975"/>
-            <a:ext cx="206475" cy="190501"/>
-          </a:xfrm>
-          <a:prstGeom prst="rect">
-            <a:avLst/>
-          </a:prstGeom>
-          <a:extLst>
-            <a:ext uri="{C572A759-6A51-4108-AA02-DFA0A04FC94B}">
-              <ma14:wrappingTextBoxFlag xmlns:ma14="http://schemas.microsoft.com/office/mac/drawingml/2011/main" val="1"/>
-            </a:ext>
-          </a:extLst>
-        </p:spPr>
-        <p:txBody>
-          <a:bodyPr/>
-          <a:lstStyle/>
-          <a:p>
-            <a:pPr/>
-            <a:fld id="{86CB4B4D-7CA3-9044-876B-883B54F8677D}" type="slidenum"/>
-          </a:p>
-        </p:txBody>
-      </p:sp>
-      <p:sp>
-        <p:nvSpPr>
-          <p:cNvPr id="135" name="More Java ↔ JS quirks"/>
-          <p:cNvSpPr txBox="1"/>
-          <p:nvPr>
-            <p:ph type="title"/>
-          </p:nvPr>
-        </p:nvSpPr>
-        <p:spPr>
-          <a:prstGeom prst="rect">
-            <a:avLst/>
-          </a:prstGeom>
-        </p:spPr>
-        <p:txBody>
-          <a:bodyPr/>
-          <a:lstStyle/>
-          <a:p>
-            <a:pPr/>
-            <a:r>
-              <a:t>More Java ↔ JS quirks</a:t>
-            </a:r>
-          </a:p>
-        </p:txBody>
-      </p:sp>
-      <p:sp>
-        <p:nvSpPr>
-          <p:cNvPr id="136" name="sometimes JS → Java can't tell what type to use:…"/>
-          <p:cNvSpPr txBox="1"/>
-          <p:nvPr>
-            <p:ph type="body" idx="1"/>
-          </p:nvPr>
-        </p:nvSpPr>
-        <p:spPr>
-          <a:prstGeom prst="rect">
-            <a:avLst/>
-          </a:prstGeom>
-        </p:spPr>
-        <p:txBody>
-          <a:bodyPr/>
-          <a:lstStyle/>
-          <a:p>
-            <a:pPr>
-              <a:buChar char="•"/>
-            </a:pPr>
-            <a:r>
-              <a:t>sometimes JS → Java can't tell what type to use:</a:t>
-            </a:r>
-          </a:p>
-          <a:p>
-            <a:pPr lvl="1" marL="279400" indent="127000">
-              <a:lnSpc>
-                <a:spcPct val="70000"/>
-              </a:lnSpc>
-              <a:spcBef>
-                <a:spcPts val="0"/>
-              </a:spcBef>
-              <a:buSzTx/>
-              <a:buNone/>
-              <a:defRPr b="1" sz="2600">
-                <a:latin typeface="Consolas"/>
-                <a:ea typeface="Consolas"/>
-                <a:cs typeface="Consolas"/>
-                <a:sym typeface="Consolas"/>
-              </a:defRPr>
-            </a:pPr>
-            <a:r>
-              <a:t>&gt; var a = [4, 1, 7, 2];</a:t>
-            </a:r>
-          </a:p>
-          <a:p>
-            <a:pPr lvl="1" marL="279400" indent="127000">
-              <a:lnSpc>
-                <a:spcPct val="70000"/>
-              </a:lnSpc>
-              <a:spcBef>
-                <a:spcPts val="0"/>
-              </a:spcBef>
-              <a:buSzTx/>
-              <a:buNone/>
-              <a:defRPr b="1" sz="2600">
-                <a:latin typeface="Consolas"/>
-                <a:ea typeface="Consolas"/>
-                <a:cs typeface="Consolas"/>
-                <a:sym typeface="Consolas"/>
-              </a:defRPr>
-            </a:pPr>
-            <a:r>
-              <a:t>&gt; Arrays.sort(a);</a:t>
-            </a:r>
-          </a:p>
-          <a:p>
-            <a:pPr lvl="1" marL="279400" indent="127000">
-              <a:lnSpc>
-                <a:spcPct val="70000"/>
-              </a:lnSpc>
-              <a:spcBef>
-                <a:spcPts val="0"/>
-              </a:spcBef>
-              <a:buSzTx/>
-              <a:buNone/>
-              <a:defRPr i="1" sz="2200">
-                <a:solidFill>
-                  <a:srgbClr val="800000"/>
-                </a:solidFill>
-                <a:latin typeface="Consolas"/>
-                <a:ea typeface="Consolas"/>
-                <a:cs typeface="Consolas"/>
-                <a:sym typeface="Consolas"/>
-              </a:defRPr>
-            </a:pPr>
-            <a:r>
-              <a:t>The choice of Java constructor sort matching JavaScript argument types (object) is ambiguous; candidate constructors are: </a:t>
-            </a:r>
-          </a:p>
-          <a:p>
-            <a:pPr lvl="1" marL="279400" indent="127000">
-              <a:lnSpc>
-                <a:spcPct val="70000"/>
-              </a:lnSpc>
-              <a:spcBef>
-                <a:spcPts val="0"/>
-              </a:spcBef>
-              <a:buSzTx/>
-              <a:buNone/>
-              <a:defRPr i="1" sz="2200">
-                <a:solidFill>
-                  <a:srgbClr val="800000"/>
-                </a:solidFill>
-                <a:latin typeface="Consolas"/>
-                <a:ea typeface="Consolas"/>
-                <a:cs typeface="Consolas"/>
-                <a:sym typeface="Consolas"/>
-              </a:defRPr>
-            </a:pPr>
-            <a:r>
-              <a:t>    void sort(java.lang.Object[])</a:t>
-            </a:r>
-          </a:p>
-          <a:p>
-            <a:pPr lvl="1" marL="279400" indent="127000">
-              <a:lnSpc>
-                <a:spcPct val="70000"/>
-              </a:lnSpc>
-              <a:spcBef>
-                <a:spcPts val="0"/>
-              </a:spcBef>
-              <a:buSzTx/>
-              <a:buNone/>
-              <a:defRPr i="1" sz="2200">
-                <a:solidFill>
-                  <a:srgbClr val="800000"/>
-                </a:solidFill>
-                <a:latin typeface="Consolas"/>
-                <a:ea typeface="Consolas"/>
-                <a:cs typeface="Consolas"/>
-                <a:sym typeface="Consolas"/>
-              </a:defRPr>
-            </a:pPr>
-            <a:r>
-              <a:t>    void sort(long[])</a:t>
-            </a:r>
-          </a:p>
-          <a:p>
-            <a:pPr lvl="1" marL="279400" indent="127000">
-              <a:lnSpc>
-                <a:spcPct val="70000"/>
-              </a:lnSpc>
-              <a:spcBef>
-                <a:spcPts val="0"/>
-              </a:spcBef>
-              <a:buSzTx/>
-              <a:buNone/>
-              <a:defRPr i="1" sz="2200">
-                <a:solidFill>
-                  <a:srgbClr val="800000"/>
-                </a:solidFill>
-                <a:latin typeface="Consolas"/>
-                <a:ea typeface="Consolas"/>
-                <a:cs typeface="Consolas"/>
-                <a:sym typeface="Consolas"/>
-              </a:defRPr>
-            </a:pPr>
-            <a:r>
-              <a:t>    void sort(int[])</a:t>
-            </a:r>
-          </a:p>
-          <a:p>
-            <a:pPr lvl="1" marL="279400" indent="127000">
-              <a:lnSpc>
-                <a:spcPct val="70000"/>
-              </a:lnSpc>
-              <a:spcBef>
-                <a:spcPts val="0"/>
-              </a:spcBef>
-              <a:buSzTx/>
-              <a:buNone/>
-              <a:defRPr i="1" sz="2200">
-                <a:solidFill>
-                  <a:srgbClr val="800000"/>
-                </a:solidFill>
-                <a:latin typeface="Consolas"/>
-                <a:ea typeface="Consolas"/>
-                <a:cs typeface="Consolas"/>
-                <a:sym typeface="Consolas"/>
-              </a:defRPr>
-            </a:pPr>
-            <a:r>
-              <a:t>    ...</a:t>
-            </a:r>
-            <a:endParaRPr sz="1000"/>
-          </a:p>
-          <a:p>
-            <a:pPr lvl="1" marL="279400" indent="127000">
-              <a:lnSpc>
-                <a:spcPct val="70000"/>
-              </a:lnSpc>
-              <a:spcBef>
-                <a:spcPts val="0"/>
-              </a:spcBef>
-              <a:buSzTx/>
-              <a:buNone/>
-              <a:defRPr i="1" sz="1200">
-                <a:latin typeface="Consolas"/>
-                <a:ea typeface="Consolas"/>
-                <a:cs typeface="Consolas"/>
-                <a:sym typeface="Consolas"/>
-              </a:defRPr>
-            </a:pPr>
-          </a:p>
-          <a:p>
-            <a:pPr>
-              <a:buChar char="•"/>
-            </a:pPr>
-            <a:r>
-              <a:t>Java collections/arrays DO have bounds checking</a:t>
-            </a:r>
-          </a:p>
-          <a:p>
-            <a:pPr lvl="1" marL="279400" indent="127000">
-              <a:lnSpc>
-                <a:spcPct val="70000"/>
-              </a:lnSpc>
-              <a:spcBef>
-                <a:spcPts val="0"/>
-              </a:spcBef>
-              <a:buSzTx/>
-              <a:buNone/>
-              <a:defRPr b="1" sz="2600">
-                <a:latin typeface="Consolas"/>
-                <a:ea typeface="Consolas"/>
-                <a:cs typeface="Consolas"/>
-                <a:sym typeface="Consolas"/>
-              </a:defRPr>
-            </a:pPr>
-            <a:r>
-              <a:t>&gt; var list = new ArrayList();</a:t>
-            </a:r>
-          </a:p>
-          <a:p>
-            <a:pPr lvl="1" marL="279400" indent="127000">
-              <a:lnSpc>
-                <a:spcPct val="70000"/>
-              </a:lnSpc>
-              <a:spcBef>
-                <a:spcPts val="0"/>
-              </a:spcBef>
-              <a:buSzTx/>
-              <a:buNone/>
-              <a:defRPr b="1" sz="2600">
-                <a:latin typeface="Consolas"/>
-                <a:ea typeface="Consolas"/>
-                <a:cs typeface="Consolas"/>
-                <a:sym typeface="Consolas"/>
-              </a:defRPr>
-            </a:pPr>
-            <a:r>
-              <a:t>&gt; list.get(7);</a:t>
-            </a:r>
-          </a:p>
-          <a:p>
-            <a:pPr lvl="1" marL="279400" indent="127000">
-              <a:lnSpc>
-                <a:spcPct val="70000"/>
-              </a:lnSpc>
-              <a:spcBef>
-                <a:spcPts val="0"/>
-              </a:spcBef>
-              <a:buSzTx/>
-              <a:buNone/>
-              <a:defRPr i="1" sz="2200">
-                <a:solidFill>
-                  <a:srgbClr val="800000"/>
-                </a:solidFill>
-                <a:latin typeface="Consolas"/>
-                <a:ea typeface="Consolas"/>
-                <a:cs typeface="Consolas"/>
-                <a:sym typeface="Consolas"/>
-              </a:defRPr>
-            </a:pPr>
-            <a:r>
-              <a:t>java.lang.IndexOutOfBoundsException: Index:7, Size:0</a:t>
-            </a:r>
-          </a:p>
-        </p:txBody>
-      </p:sp>
-    </p:spTree>
-  </p:cSld>
-  <p:clrMapOvr>
-    <a:masterClrMapping/>
-  </p:clrMapOvr>
-  <p:transition xmlns:p14="http://schemas.microsoft.com/office/powerpoint/2010/main" spd="med" advClick="1"/>
-</p:sld>
-</file>
-
-<file path=ppt/slides/slide27.xml><?xml version="1.0" encoding="utf-8"?>
-<p:sld xmlns:a="http://schemas.openxmlformats.org/drawingml/2006/main" xmlns:r="http://schemas.openxmlformats.org/officeDocument/2006/relationships" xmlns:p="http://schemas.openxmlformats.org/presentationml/2006/main" xmlns:m="http://schemas.openxmlformats.org/officeDocument/2006/math" xmlns:a14="http://schemas.microsoft.com/office/drawing/2010/main" showMasterSp="1" showMasterPhAnim="1">
-  <p:cSld>
-    <p:spTree>
-      <p:nvGrpSpPr>
-        <p:cNvPr id="1" name=""/>
-        <p:cNvGrpSpPr/>
-        <p:nvPr/>
-      </p:nvGrpSpPr>
-      <p:grpSpPr>
-        <a:xfrm>
-          <a:off x="0" y="0"/>
-          <a:ext cx="0" cy="0"/>
-          <a:chOff x="0" y="0"/>
-          <a:chExt cx="0" cy="0"/>
-        </a:xfrm>
-      </p:grpSpPr>
-      <p:sp>
-        <p:nvSpPr>
-          <p:cNvPr id="138" name="Slide Number"/>
-          <p:cNvSpPr txBox="1"/>
-          <p:nvPr>
-            <p:ph type="sldNum" sz="quarter" idx="2"/>
-          </p:nvPr>
-        </p:nvSpPr>
-        <p:spPr>
-          <a:xfrm>
-            <a:off x="8785125" y="6530975"/>
-            <a:ext cx="206475" cy="190501"/>
-          </a:xfrm>
-          <a:prstGeom prst="rect">
-            <a:avLst/>
-          </a:prstGeom>
-          <a:extLst>
-            <a:ext uri="{C572A759-6A51-4108-AA02-DFA0A04FC94B}">
-              <ma14:wrappingTextBoxFlag xmlns:ma14="http://schemas.microsoft.com/office/mac/drawingml/2011/main" val="1"/>
-            </a:ext>
-          </a:extLst>
-        </p:spPr>
-        <p:txBody>
-          <a:bodyPr/>
-          <a:lstStyle/>
-          <a:p>
-            <a:pPr/>
-            <a:fld id="{86CB4B4D-7CA3-9044-876B-883B54F8677D}" type="slidenum"/>
-          </a:p>
-        </p:txBody>
-      </p:sp>
-      <p:sp>
-        <p:nvSpPr>
-          <p:cNvPr id="139" name="Implementing and extending"/>
-          <p:cNvSpPr txBox="1"/>
-          <p:nvPr>
-            <p:ph type="title"/>
-          </p:nvPr>
-        </p:nvSpPr>
-        <p:spPr>
-          <a:prstGeom prst="rect">
-            <a:avLst/>
-          </a:prstGeom>
-        </p:spPr>
-        <p:txBody>
-          <a:bodyPr/>
-          <a:lstStyle/>
-          <a:p>
-            <a:pPr/>
-            <a:r>
-              <a:t>Implementing and extending</a:t>
-            </a:r>
-          </a:p>
-        </p:txBody>
-      </p:sp>
-      <p:sp>
-        <p:nvSpPr>
-          <p:cNvPr id="140" name="new InterfaceOrSubclass(object)   // or,…"/>
-          <p:cNvSpPr txBox="1"/>
-          <p:nvPr>
-            <p:ph type="body" idx="1"/>
-          </p:nvPr>
-        </p:nvSpPr>
-        <p:spPr>
-          <a:prstGeom prst="rect">
-            <a:avLst/>
-          </a:prstGeom>
-        </p:spPr>
-        <p:txBody>
-          <a:bodyPr/>
-          <a:lstStyle/>
-          <a:p>
-            <a:pPr marL="283337" indent="-283337" defTabSz="886968">
-              <a:lnSpc>
-                <a:spcPct val="80000"/>
-              </a:lnSpc>
-              <a:buSzTx/>
-              <a:buNone/>
-              <a:defRPr sz="2716">
-                <a:latin typeface="Consolas"/>
-                <a:ea typeface="Consolas"/>
-                <a:cs typeface="Consolas"/>
-                <a:sym typeface="Consolas"/>
-              </a:defRPr>
-            </a:pPr>
-            <a:r>
-              <a:t>   new </a:t>
-            </a:r>
-            <a:r>
-              <a:rPr b="1" i="1"/>
-              <a:t>InterfaceOrSubclass</a:t>
-            </a:r>
-            <a:r>
-              <a:t>(</a:t>
-            </a:r>
-            <a:r>
-              <a:rPr b="1" i="1"/>
-              <a:t>object</a:t>
-            </a:r>
-            <a:r>
-              <a:t>)   </a:t>
-            </a:r>
-            <a:r>
-              <a:rPr>
-                <a:solidFill>
-                  <a:srgbClr val="008000"/>
-                </a:solidFill>
-              </a:rPr>
-              <a:t>// or,</a:t>
-            </a:r>
-            <a:endParaRPr>
-              <a:solidFill>
-                <a:srgbClr val="008000"/>
-              </a:solidFill>
-            </a:endParaRPr>
-          </a:p>
-          <a:p>
-            <a:pPr marL="283337" indent="-283337" defTabSz="886968">
-              <a:lnSpc>
-                <a:spcPct val="80000"/>
-              </a:lnSpc>
-              <a:buSzTx/>
-              <a:buNone/>
-              <a:defRPr sz="776">
-                <a:latin typeface="Consolas"/>
-                <a:ea typeface="Consolas"/>
-                <a:cs typeface="Consolas"/>
-                <a:sym typeface="Consolas"/>
-              </a:defRPr>
-            </a:pPr>
-          </a:p>
-          <a:p>
-            <a:pPr marL="283337" indent="-283337" defTabSz="886968">
-              <a:lnSpc>
-                <a:spcPct val="80000"/>
-              </a:lnSpc>
-              <a:buSzTx/>
-              <a:buNone/>
-              <a:defRPr sz="2716">
-                <a:latin typeface="Consolas"/>
-                <a:ea typeface="Consolas"/>
-                <a:cs typeface="Consolas"/>
-                <a:sym typeface="Consolas"/>
-              </a:defRPr>
-            </a:pPr>
-            <a:r>
-              <a:t>   new JavaAdapter(Packages.</a:t>
-            </a:r>
-            <a:r>
-              <a:rPr b="1" i="1"/>
-              <a:t>superclass</a:t>
-            </a:r>
-            <a:r>
-              <a:t>,</a:t>
-            </a:r>
-          </a:p>
-          <a:p>
-            <a:pPr marL="283337" indent="-283337" defTabSz="886968">
-              <a:lnSpc>
-                <a:spcPct val="80000"/>
-              </a:lnSpc>
-              <a:buSzTx/>
-              <a:buNone/>
-              <a:defRPr b="1" i="1" sz="2716">
-                <a:latin typeface="Consolas"/>
-                <a:ea typeface="Consolas"/>
-                <a:cs typeface="Consolas"/>
-                <a:sym typeface="Consolas"/>
-              </a:defRPr>
-            </a:pPr>
-            <a:r>
-              <a:t>       interface1</a:t>
-            </a:r>
-            <a:r>
-              <a:rPr b="0" i="0"/>
-              <a:t>, ..., </a:t>
-            </a:r>
-            <a:r>
-              <a:t>interfaceN</a:t>
-            </a:r>
-            <a:r>
-              <a:rPr b="0" i="0"/>
-              <a:t>, </a:t>
-            </a:r>
-            <a:r>
-              <a:t>object</a:t>
-            </a:r>
-            <a:r>
-              <a:rPr b="0" i="0"/>
-              <a:t>)</a:t>
-            </a:r>
-          </a:p>
-          <a:p>
-            <a:pPr marL="283337" indent="-283337" defTabSz="886968">
-              <a:lnSpc>
-                <a:spcPct val="80000"/>
-              </a:lnSpc>
-              <a:buSzTx/>
-              <a:buNone/>
-              <a:defRPr sz="1164">
-                <a:latin typeface="Consolas"/>
-                <a:ea typeface="Consolas"/>
-                <a:cs typeface="Consolas"/>
-                <a:sym typeface="Consolas"/>
-              </a:defRPr>
-            </a:pPr>
-          </a:p>
-          <a:p>
-            <a:pPr marL="283337" indent="-283337" defTabSz="886968">
-              <a:buChar char="•"/>
-              <a:defRPr sz="2716"/>
-            </a:pPr>
-            <a:r>
-              <a:t>Example:</a:t>
-            </a:r>
-          </a:p>
-          <a:p>
-            <a:pPr lvl="1" marL="271018" indent="123190" defTabSz="886968">
-              <a:lnSpc>
-                <a:spcPct val="70000"/>
-              </a:lnSpc>
-              <a:spcBef>
-                <a:spcPts val="0"/>
-              </a:spcBef>
-              <a:buSzTx/>
-              <a:buNone/>
-              <a:defRPr b="1" sz="776">
-                <a:latin typeface="Consolas"/>
-                <a:ea typeface="Consolas"/>
-                <a:cs typeface="Consolas"/>
-                <a:sym typeface="Consolas"/>
-              </a:defRPr>
-            </a:pPr>
-          </a:p>
-          <a:p>
-            <a:pPr lvl="1" marL="271018" indent="123190" defTabSz="886968">
-              <a:lnSpc>
-                <a:spcPct val="70000"/>
-              </a:lnSpc>
-              <a:spcBef>
-                <a:spcPts val="0"/>
-              </a:spcBef>
-              <a:buSzTx/>
-              <a:buNone/>
-              <a:defRPr b="1" sz="2134">
-                <a:latin typeface="Consolas"/>
-                <a:ea typeface="Consolas"/>
-                <a:cs typeface="Consolas"/>
-                <a:sym typeface="Consolas"/>
-              </a:defRPr>
-            </a:pPr>
-            <a:r>
-              <a:t>&gt; var o = { compare: function(s1, s2) {</a:t>
-            </a:r>
-          </a:p>
-          <a:p>
-            <a:pPr lvl="1" marL="271018" indent="123190" defTabSz="886968">
-              <a:lnSpc>
-                <a:spcPct val="70000"/>
-              </a:lnSpc>
-              <a:spcBef>
-                <a:spcPts val="0"/>
-              </a:spcBef>
-              <a:buSzTx/>
-              <a:buNone/>
-              <a:defRPr b="1" sz="2134">
-                <a:latin typeface="Consolas"/>
-                <a:ea typeface="Consolas"/>
-                <a:cs typeface="Consolas"/>
-                <a:sym typeface="Consolas"/>
-              </a:defRPr>
-            </a:pPr>
-            <a:r>
-              <a:t>              return s1.length() - s2.length(); }};</a:t>
-            </a:r>
-          </a:p>
-          <a:p>
-            <a:pPr lvl="1" marL="271018" indent="123190" defTabSz="886968">
-              <a:lnSpc>
-                <a:spcPct val="70000"/>
-              </a:lnSpc>
-              <a:spcBef>
-                <a:spcPts val="0"/>
-              </a:spcBef>
-              <a:buSzTx/>
-              <a:buNone/>
-              <a:defRPr b="1" sz="2134">
-                <a:latin typeface="Consolas"/>
-                <a:ea typeface="Consolas"/>
-                <a:cs typeface="Consolas"/>
-                <a:sym typeface="Consolas"/>
-              </a:defRPr>
-            </a:pPr>
-            <a:r>
-              <a:t>&gt; var comp = </a:t>
-            </a:r>
-            <a:r>
-              <a:rPr>
-                <a:solidFill>
-                  <a:schemeClr val="accent2"/>
-                </a:solidFill>
-              </a:rPr>
-              <a:t>new Comparator(o)</a:t>
-            </a:r>
-            <a:r>
-              <a:t>;</a:t>
-            </a:r>
-          </a:p>
-          <a:p>
-            <a:pPr lvl="1" marL="271018" indent="123190" defTabSz="886968">
-              <a:lnSpc>
-                <a:spcPct val="70000"/>
-              </a:lnSpc>
-              <a:spcBef>
-                <a:spcPts val="0"/>
-              </a:spcBef>
-              <a:buSzTx/>
-              <a:buNone/>
-              <a:defRPr b="1" sz="2134">
-                <a:latin typeface="Consolas"/>
-                <a:ea typeface="Consolas"/>
-                <a:cs typeface="Consolas"/>
-                <a:sym typeface="Consolas"/>
-              </a:defRPr>
-            </a:pPr>
-            <a:r>
-              <a:t>&gt; var set = new TreeSet(comp);</a:t>
-            </a:r>
-          </a:p>
-          <a:p>
-            <a:pPr lvl="1" marL="271018" indent="123190" defTabSz="886968">
-              <a:lnSpc>
-                <a:spcPct val="70000"/>
-              </a:lnSpc>
-              <a:spcBef>
-                <a:spcPts val="0"/>
-              </a:spcBef>
-              <a:buSzTx/>
-              <a:buNone/>
-              <a:defRPr b="1" sz="2134">
-                <a:latin typeface="Consolas"/>
-                <a:ea typeface="Consolas"/>
-                <a:cs typeface="Consolas"/>
-                <a:sym typeface="Consolas"/>
-              </a:defRPr>
-            </a:pPr>
-            <a:r>
-              <a:t>&gt; set.add("goodbye");</a:t>
-            </a:r>
-          </a:p>
-          <a:p>
-            <a:pPr lvl="1" marL="271018" indent="123190" defTabSz="886968">
-              <a:lnSpc>
-                <a:spcPct val="70000"/>
-              </a:lnSpc>
-              <a:spcBef>
-                <a:spcPts val="0"/>
-              </a:spcBef>
-              <a:buSzTx/>
-              <a:buNone/>
-              <a:defRPr b="1" sz="2134">
-                <a:latin typeface="Consolas"/>
-                <a:ea typeface="Consolas"/>
-                <a:cs typeface="Consolas"/>
-                <a:sym typeface="Consolas"/>
-              </a:defRPr>
-            </a:pPr>
-            <a:r>
-              <a:t>&gt; set.add("what");</a:t>
-            </a:r>
-          </a:p>
-          <a:p>
-            <a:pPr lvl="1" marL="271018" indent="123190" defTabSz="886968">
-              <a:lnSpc>
-                <a:spcPct val="70000"/>
-              </a:lnSpc>
-              <a:spcBef>
-                <a:spcPts val="0"/>
-              </a:spcBef>
-              <a:buSzTx/>
-              <a:buNone/>
-              <a:defRPr b="1" sz="2134">
-                <a:latin typeface="Consolas"/>
-                <a:ea typeface="Consolas"/>
-                <a:cs typeface="Consolas"/>
-                <a:sym typeface="Consolas"/>
-              </a:defRPr>
-            </a:pPr>
-            <a:r>
-              <a:t>&gt; set.add("bye");</a:t>
-            </a:r>
-          </a:p>
-          <a:p>
-            <a:pPr lvl="1" marL="271018" indent="123190" defTabSz="886968">
-              <a:lnSpc>
-                <a:spcPct val="70000"/>
-              </a:lnSpc>
-              <a:spcBef>
-                <a:spcPts val="0"/>
-              </a:spcBef>
-              <a:buSzTx/>
-              <a:buNone/>
-              <a:defRPr b="1" sz="2134">
-                <a:latin typeface="Consolas"/>
-                <a:ea typeface="Consolas"/>
-                <a:cs typeface="Consolas"/>
-                <a:sym typeface="Consolas"/>
-              </a:defRPr>
-            </a:pPr>
-            <a:r>
-              <a:t>&gt; set.add("hello");</a:t>
-            </a:r>
-          </a:p>
-          <a:p>
-            <a:pPr lvl="1" marL="271018" indent="123190" defTabSz="886968">
-              <a:lnSpc>
-                <a:spcPct val="70000"/>
-              </a:lnSpc>
-              <a:spcBef>
-                <a:spcPts val="0"/>
-              </a:spcBef>
-              <a:buSzTx/>
-              <a:buNone/>
-              <a:defRPr b="1" sz="2134">
-                <a:latin typeface="Consolas"/>
-                <a:ea typeface="Consolas"/>
-                <a:cs typeface="Consolas"/>
-                <a:sym typeface="Consolas"/>
-              </a:defRPr>
-            </a:pPr>
-            <a:r>
-              <a:t>&gt; set</a:t>
-            </a:r>
-          </a:p>
-          <a:p>
-            <a:pPr lvl="1" marL="271018" indent="123190" defTabSz="886968">
-              <a:lnSpc>
-                <a:spcPct val="70000"/>
-              </a:lnSpc>
-              <a:spcBef>
-                <a:spcPts val="0"/>
-              </a:spcBef>
-              <a:buSzTx/>
-              <a:buNone/>
-              <a:defRPr i="1" sz="2134">
-                <a:latin typeface="Consolas"/>
-                <a:ea typeface="Consolas"/>
-                <a:cs typeface="Consolas"/>
-                <a:sym typeface="Consolas"/>
-              </a:defRPr>
-            </a:pPr>
-            <a:r>
-              <a:t>[bye, what, hello, goodbye]</a:t>
-            </a:r>
-          </a:p>
-        </p:txBody>
-      </p:sp>
-    </p:spTree>
-  </p:cSld>
-  <p:clrMapOvr>
-    <a:masterClrMapping/>
-  </p:clrMapOvr>
-  <p:transition xmlns:p14="http://schemas.microsoft.com/office/powerpoint/2010/main" spd="med" advClick="1"/>
-</p:sld>
-</file>
-
-<file path=ppt/slides/slide28.xml><?xml version="1.0" encoding="utf-8"?>
-<p:sld xmlns:a="http://schemas.openxmlformats.org/drawingml/2006/main" xmlns:r="http://schemas.openxmlformats.org/officeDocument/2006/relationships" xmlns:p="http://schemas.openxmlformats.org/presentationml/2006/main" xmlns:m="http://schemas.openxmlformats.org/officeDocument/2006/math" xmlns:a14="http://schemas.microsoft.com/office/drawing/2010/main" showMasterSp="1" showMasterPhAnim="1">
-  <p:cSld>
-    <p:spTree>
-      <p:nvGrpSpPr>
-        <p:cNvPr id="1" name=""/>
-        <p:cNvGrpSpPr/>
-        <p:nvPr/>
-      </p:nvGrpSpPr>
-      <p:grpSpPr>
-        <a:xfrm>
-          <a:off x="0" y="0"/>
-          <a:ext cx="0" cy="0"/>
-          <a:chOff x="0" y="0"/>
-          <a:chExt cx="0" cy="0"/>
-        </a:xfrm>
-      </p:grpSpPr>
-      <p:sp>
-        <p:nvSpPr>
-          <p:cNvPr id="142" name="Slide Number"/>
-          <p:cNvSpPr txBox="1"/>
-          <p:nvPr>
-            <p:ph type="sldNum" sz="quarter" idx="2"/>
-          </p:nvPr>
-        </p:nvSpPr>
-        <p:spPr>
-          <a:xfrm>
-            <a:off x="8785125" y="6530975"/>
-            <a:ext cx="206475" cy="190501"/>
-          </a:xfrm>
-          <a:prstGeom prst="rect">
-            <a:avLst/>
-          </a:prstGeom>
-          <a:extLst>
-            <a:ext uri="{C572A759-6A51-4108-AA02-DFA0A04FC94B}">
-              <ma14:wrappingTextBoxFlag xmlns:ma14="http://schemas.microsoft.com/office/mac/drawingml/2011/main" val="1"/>
-            </a:ext>
-          </a:extLst>
-        </p:spPr>
-        <p:txBody>
-          <a:bodyPr/>
-          <a:lstStyle/>
-          <a:p>
-            <a:pPr/>
-            <a:fld id="{86CB4B4D-7CA3-9044-876B-883B54F8677D}" type="slidenum"/>
-          </a:p>
-        </p:txBody>
-      </p:sp>
-      <p:sp>
-        <p:nvSpPr>
-          <p:cNvPr id="143" name="Other direction: JS within Java"/>
-          <p:cNvSpPr txBox="1"/>
-          <p:nvPr>
-            <p:ph type="title"/>
-          </p:nvPr>
-        </p:nvSpPr>
-        <p:spPr>
-          <a:prstGeom prst="rect">
-            <a:avLst/>
-          </a:prstGeom>
-        </p:spPr>
-        <p:txBody>
-          <a:bodyPr/>
-          <a:lstStyle/>
-          <a:p>
-            <a:pPr/>
-            <a:r>
-              <a:t>Other direction: JS within Java</a:t>
-            </a:r>
-          </a:p>
-        </p:txBody>
-      </p:sp>
-      <p:sp>
-        <p:nvSpPr>
-          <p:cNvPr id="144" name="Java 1.6 adds javax.script package to run JS code:…"/>
-          <p:cNvSpPr txBox="1"/>
-          <p:nvPr>
-            <p:ph type="body" idx="1"/>
-          </p:nvPr>
-        </p:nvSpPr>
-        <p:spPr>
-          <a:prstGeom prst="rect">
-            <a:avLst/>
-          </a:prstGeom>
-        </p:spPr>
-        <p:txBody>
-          <a:bodyPr/>
-          <a:lstStyle/>
-          <a:p>
-            <a:pPr>
-              <a:buChar char="•"/>
-            </a:pPr>
-            <a:r>
-              <a:t>Java 1.6 adds </a:t>
-            </a:r>
-            <a:r>
-              <a:rPr>
-                <a:latin typeface="Consolas"/>
-                <a:ea typeface="Consolas"/>
-                <a:cs typeface="Consolas"/>
-                <a:sym typeface="Consolas"/>
-              </a:rPr>
-              <a:t>javax.script</a:t>
-            </a:r>
-            <a:r>
-              <a:t> package to run JS code:</a:t>
-            </a:r>
-          </a:p>
-          <a:p>
-            <a:pPr lvl="1" marL="279400" indent="127000">
-              <a:lnSpc>
-                <a:spcPct val="80000"/>
-              </a:lnSpc>
-              <a:spcBef>
-                <a:spcPts val="0"/>
-              </a:spcBef>
-              <a:buSzTx/>
-              <a:buNone/>
-              <a:defRPr sz="800">
-                <a:latin typeface="Consolas"/>
-                <a:ea typeface="Consolas"/>
-                <a:cs typeface="Consolas"/>
-                <a:sym typeface="Consolas"/>
-              </a:defRPr>
-            </a:pPr>
-          </a:p>
-          <a:p>
-            <a:pPr lvl="1" marL="279400" indent="127000">
-              <a:lnSpc>
-                <a:spcPct val="80000"/>
-              </a:lnSpc>
-              <a:spcBef>
-                <a:spcPts val="0"/>
-              </a:spcBef>
-              <a:buSzTx/>
-              <a:buNone/>
-              <a:defRPr sz="2000">
-                <a:latin typeface="Consolas"/>
-                <a:ea typeface="Consolas"/>
-                <a:cs typeface="Consolas"/>
-                <a:sym typeface="Consolas"/>
-              </a:defRPr>
-            </a:pPr>
-            <a:r>
-              <a:t>import java.io.*;</a:t>
-            </a:r>
-          </a:p>
-          <a:p>
-            <a:pPr lvl="1" marL="279400" indent="127000">
-              <a:lnSpc>
-                <a:spcPct val="80000"/>
-              </a:lnSpc>
-              <a:spcBef>
-                <a:spcPts val="0"/>
-              </a:spcBef>
-              <a:buSzTx/>
-              <a:buNone/>
-              <a:defRPr sz="2000">
-                <a:latin typeface="Consolas"/>
-                <a:ea typeface="Consolas"/>
-                <a:cs typeface="Consolas"/>
-                <a:sym typeface="Consolas"/>
-              </a:defRPr>
-            </a:pPr>
-            <a:r>
-              <a:t>import javax.script.*;</a:t>
-            </a:r>
-          </a:p>
-          <a:p>
-            <a:pPr lvl="1" marL="279400" indent="127000">
-              <a:lnSpc>
-                <a:spcPct val="80000"/>
-              </a:lnSpc>
-              <a:spcBef>
-                <a:spcPts val="0"/>
-              </a:spcBef>
-              <a:buSzTx/>
-              <a:buNone/>
-              <a:defRPr sz="800">
-                <a:latin typeface="Consolas"/>
-                <a:ea typeface="Consolas"/>
-                <a:cs typeface="Consolas"/>
-                <a:sym typeface="Consolas"/>
-              </a:defRPr>
-            </a:pPr>
-          </a:p>
-          <a:p>
-            <a:pPr lvl="1" marL="279400" indent="127000">
-              <a:lnSpc>
-                <a:spcPct val="80000"/>
-              </a:lnSpc>
-              <a:spcBef>
-                <a:spcPts val="0"/>
-              </a:spcBef>
-              <a:buSzTx/>
-              <a:buNone/>
-              <a:defRPr sz="2000">
-                <a:latin typeface="Consolas"/>
-                <a:ea typeface="Consolas"/>
-                <a:cs typeface="Consolas"/>
-                <a:sym typeface="Consolas"/>
-              </a:defRPr>
-            </a:pPr>
-            <a:r>
-              <a:t>public class RunJS {</a:t>
-            </a:r>
-          </a:p>
-          <a:p>
-            <a:pPr lvl="1" marL="279400" indent="127000">
-              <a:lnSpc>
-                <a:spcPct val="80000"/>
-              </a:lnSpc>
-              <a:spcBef>
-                <a:spcPts val="0"/>
-              </a:spcBef>
-              <a:buSzTx/>
-              <a:buNone/>
-              <a:defRPr sz="2000">
-                <a:latin typeface="Consolas"/>
-                <a:ea typeface="Consolas"/>
-                <a:cs typeface="Consolas"/>
-                <a:sym typeface="Consolas"/>
-              </a:defRPr>
-            </a:pPr>
-            <a:r>
-              <a:t>  public static void main(String[] args) throws Throwable {</a:t>
-            </a:r>
-          </a:p>
-          <a:p>
-            <a:pPr lvl="1" marL="279400" indent="127000">
-              <a:lnSpc>
-                <a:spcPct val="80000"/>
-              </a:lnSpc>
-              <a:spcBef>
-                <a:spcPts val="0"/>
-              </a:spcBef>
-              <a:buSzTx/>
-              <a:buNone/>
-              <a:defRPr sz="2000">
-                <a:latin typeface="Consolas"/>
-                <a:ea typeface="Consolas"/>
-                <a:cs typeface="Consolas"/>
-                <a:sym typeface="Consolas"/>
-              </a:defRPr>
-            </a:pPr>
-            <a:r>
-              <a:t>    </a:t>
-            </a:r>
-            <a:r>
-              <a:rPr b="1"/>
-              <a:t>ScriptEngine</a:t>
-            </a:r>
-            <a:r>
-              <a:t> </a:t>
-            </a:r>
-            <a:r>
-              <a:rPr b="1"/>
-              <a:t>engine</a:t>
-            </a:r>
-            <a:r>
-              <a:t> = new ScriptEngineManager().</a:t>
-            </a:r>
-          </a:p>
-          <a:p>
-            <a:pPr lvl="1" marL="279400" indent="127000">
-              <a:lnSpc>
-                <a:spcPct val="80000"/>
-              </a:lnSpc>
-              <a:spcBef>
-                <a:spcPts val="0"/>
-              </a:spcBef>
-              <a:buSzTx/>
-              <a:buNone/>
-              <a:defRPr sz="2000">
-                <a:latin typeface="Consolas"/>
-                <a:ea typeface="Consolas"/>
-                <a:cs typeface="Consolas"/>
-                <a:sym typeface="Consolas"/>
-              </a:defRPr>
-            </a:pPr>
-            <a:r>
-              <a:t>                          getEngineByName("javascript");</a:t>
-            </a:r>
-          </a:p>
-          <a:p>
-            <a:pPr lvl="1" marL="279400" indent="127000">
-              <a:lnSpc>
-                <a:spcPct val="80000"/>
-              </a:lnSpc>
-              <a:spcBef>
-                <a:spcPts val="0"/>
-              </a:spcBef>
-              <a:buSzTx/>
-              <a:buNone/>
-              <a:defRPr sz="2000">
-                <a:latin typeface="Consolas"/>
-                <a:ea typeface="Consolas"/>
-                <a:cs typeface="Consolas"/>
-                <a:sym typeface="Consolas"/>
-              </a:defRPr>
-            </a:pPr>
-            <a:r>
-              <a:t>    for (String arg : args) {</a:t>
-            </a:r>
-          </a:p>
-          <a:p>
-            <a:pPr lvl="1" marL="279400" indent="127000">
-              <a:lnSpc>
-                <a:spcPct val="80000"/>
-              </a:lnSpc>
-              <a:spcBef>
-                <a:spcPts val="0"/>
-              </a:spcBef>
-              <a:buSzTx/>
-              <a:buNone/>
-              <a:defRPr sz="2000">
-                <a:latin typeface="Consolas"/>
-                <a:ea typeface="Consolas"/>
-                <a:cs typeface="Consolas"/>
-                <a:sym typeface="Consolas"/>
-              </a:defRPr>
-            </a:pPr>
-            <a:r>
-              <a:t>      </a:t>
-            </a:r>
-            <a:r>
-              <a:rPr b="1"/>
-              <a:t>engine.eval</a:t>
-            </a:r>
-            <a:r>
-              <a:t>(new FileReader(arg));</a:t>
-            </a:r>
-          </a:p>
-          <a:p>
-            <a:pPr lvl="1" marL="279400" indent="127000">
-              <a:lnSpc>
-                <a:spcPct val="80000"/>
-              </a:lnSpc>
-              <a:spcBef>
-                <a:spcPts val="0"/>
-              </a:spcBef>
-              <a:buSzTx/>
-              <a:buNone/>
-              <a:defRPr sz="2000">
-                <a:latin typeface="Consolas"/>
-                <a:ea typeface="Consolas"/>
-                <a:cs typeface="Consolas"/>
-                <a:sym typeface="Consolas"/>
-              </a:defRPr>
-            </a:pPr>
-            <a:r>
-              <a:t>    }</a:t>
-            </a:r>
-          </a:p>
-          <a:p>
-            <a:pPr lvl="1" marL="279400" indent="127000">
-              <a:lnSpc>
-                <a:spcPct val="80000"/>
-              </a:lnSpc>
-              <a:spcBef>
-                <a:spcPts val="0"/>
-              </a:spcBef>
-              <a:buSzTx/>
-              <a:buNone/>
-              <a:defRPr sz="2000">
-                <a:latin typeface="Consolas"/>
-                <a:ea typeface="Consolas"/>
-                <a:cs typeface="Consolas"/>
-                <a:sym typeface="Consolas"/>
-              </a:defRPr>
-            </a:pPr>
-            <a:r>
-              <a:t>  }</a:t>
-            </a:r>
-          </a:p>
-          <a:p>
-            <a:pPr lvl="1" marL="279400" indent="127000">
-              <a:lnSpc>
-                <a:spcPct val="80000"/>
-              </a:lnSpc>
-              <a:spcBef>
-                <a:spcPts val="0"/>
-              </a:spcBef>
-              <a:buSzTx/>
-              <a:buNone/>
-              <a:defRPr sz="2000">
-                <a:latin typeface="Consolas"/>
-                <a:ea typeface="Consolas"/>
-                <a:cs typeface="Consolas"/>
-                <a:sym typeface="Consolas"/>
-              </a:defRPr>
-            </a:pPr>
-            <a:r>
-              <a:t>}</a:t>
-            </a:r>
-          </a:p>
-        </p:txBody>
-      </p:sp>
-    </p:spTree>
-  </p:cSld>
-  <p:clrMapOvr>
-    <a:masterClrMapping/>
-  </p:clrMapOvr>
-  <p:transition xmlns:p14="http://schemas.microsoft.com/office/powerpoint/2010/main" spd="med" advClick="1"/>
-</p:sld>
-</file>
-
 <file path=ppt/slides/slide3.xml><?xml version="1.0" encoding="utf-8"?>
 <p:sld xmlns:a="http://schemas.openxmlformats.org/drawingml/2006/main" xmlns:r="http://schemas.openxmlformats.org/officeDocument/2006/relationships" xmlns:p="http://schemas.openxmlformats.org/presentationml/2006/main" xmlns:m="http://schemas.openxmlformats.org/officeDocument/2006/math" xmlns:a14="http://schemas.microsoft.com/office/drawing/2010/main" showMasterSp="1" showMasterPhAnim="1">
   <p:cSld>
